--- a/slides/taller_PINNs_ihealth.pptx
+++ b/slides/taller_PINNs_ihealth.pptx
@@ -4079,7 +4079,7 @@
             <a:fld id="{3847346C-8E28-4C73-85C6-45EBF3EB6ECA}" type="datetime1">
               <a:rPr lang="es-CL" sz="1400" smtClean="0"/>
               <a:pPr/>
-              <a:t>07-01-2025</a:t>
+              <a:t>09-01-2025</a:t>
             </a:fld>
             <a:endParaRPr lang="es-CL" sz="1400" dirty="0"/>
           </a:p>
@@ -4196,7 +4196,7 @@
                 <a:latin typeface="Arial" panose="020B0604020202020204" pitchFamily="34" charset="0"/>
                 <a:cs typeface="Arial" panose="020B0604020202020204" pitchFamily="34" charset="0"/>
               </a:rPr>
-              <a:t>Taller PINNs</a:t>
+              <a:t>Taller Physics-informed Neural Networks</a:t>
             </a:r>
           </a:p>
           <a:p>
@@ -4231,12 +4231,314 @@
           </a:p>
         </p:txBody>
       </p:sp>
+      <p:sp>
+        <p:nvSpPr>
+          <p:cNvPr id="127" name="Marcador de contenido 1">
+            <a:extLst>
+              <a:ext uri="{FF2B5EF4-FFF2-40B4-BE49-F238E27FC236}">
+                <a16:creationId xmlns:a16="http://schemas.microsoft.com/office/drawing/2014/main" id="{166E7D17-1A00-9EAC-48BE-82119EBAE9E8}"/>
+              </a:ext>
+            </a:extLst>
+          </p:cNvPr>
+          <p:cNvSpPr>
+            <a:spLocks noGrp="1"/>
+          </p:cNvSpPr>
+          <p:nvPr>
+            <p:ph idx="1"/>
+          </p:nvPr>
+        </p:nvSpPr>
+        <p:spPr>
+          <a:xfrm>
+            <a:off x="1" y="2975429"/>
+            <a:ext cx="12191998" cy="453571"/>
+          </a:xfrm>
+        </p:spPr>
+        <p:txBody>
+          <a:bodyPr>
+            <a:normAutofit/>
+          </a:bodyPr>
+          <a:lstStyle/>
+          <a:p>
+            <a:pPr marL="0" indent="0" algn="ctr">
+              <a:buNone/>
+            </a:pPr>
+            <a:r>
+              <a:rPr lang="es-CL" sz="2000" b="0" dirty="0"/>
+              <a:t>David Ortiz-Puerta, Tabita Catalán, Tomás Banduc, Francisco </a:t>
+            </a:r>
+            <a:r>
+              <a:rPr lang="es-CL" sz="2000" b="0" dirty="0" err="1"/>
+              <a:t>Sahli</a:t>
+            </a:r>
+            <a:endParaRPr lang="es-CL" sz="2000" b="0" dirty="0"/>
+          </a:p>
+        </p:txBody>
+      </p:sp>
+      <p:sp>
+        <p:nvSpPr>
+          <p:cNvPr id="1024" name="TextBox 2">
+            <a:extLst>
+              <a:ext uri="{FF2B5EF4-FFF2-40B4-BE49-F238E27FC236}">
+                <a16:creationId xmlns:a16="http://schemas.microsoft.com/office/drawing/2014/main" id="{AC18F410-3079-A063-30A1-CBAC7F9F9BCF}"/>
+              </a:ext>
+            </a:extLst>
+          </p:cNvPr>
+          <p:cNvSpPr/>
+          <p:nvPr/>
+        </p:nvSpPr>
+        <p:spPr>
+          <a:xfrm>
+            <a:off x="1" y="3576528"/>
+            <a:ext cx="12191998" cy="737210"/>
+          </a:xfrm>
+          <a:prstGeom prst="rect">
+            <a:avLst/>
+          </a:prstGeom>
+          <a:noFill/>
+          <a:ln w="0">
+            <a:noFill/>
+          </a:ln>
+        </p:spPr>
+        <p:style>
+          <a:lnRef idx="0">
+            <a:scrgbClr r="0" g="0" b="0"/>
+          </a:lnRef>
+          <a:fillRef idx="0">
+            <a:scrgbClr r="0" g="0" b="0"/>
+          </a:fillRef>
+          <a:effectRef idx="0">
+            <a:scrgbClr r="0" g="0" b="0"/>
+          </a:effectRef>
+          <a:fontRef idx="minor"/>
+        </p:style>
+        <p:txBody>
+          <a:bodyPr wrap="square" lIns="90000" tIns="45000" rIns="90000" bIns="45000" anchor="t">
+            <a:spAutoFit/>
+          </a:bodyPr>
+          <a:lstStyle>
+            <a:defPPr>
+              <a:defRPr lang="es-ES"/>
+            </a:defPPr>
+            <a:lvl1pPr marL="0" algn="l" defTabSz="914400" rtl="0" eaLnBrk="1" latinLnBrk="0" hangingPunct="1">
+              <a:defRPr sz="1800" kern="1200">
+                <a:solidFill>
+                  <a:schemeClr val="tx1"/>
+                </a:solidFill>
+                <a:latin typeface="+mn-lt"/>
+                <a:ea typeface="+mn-ea"/>
+                <a:cs typeface="+mn-cs"/>
+              </a:defRPr>
+            </a:lvl1pPr>
+            <a:lvl2pPr marL="457200" algn="l" defTabSz="914400" rtl="0" eaLnBrk="1" latinLnBrk="0" hangingPunct="1">
+              <a:defRPr sz="1800" kern="1200">
+                <a:solidFill>
+                  <a:schemeClr val="tx1"/>
+                </a:solidFill>
+                <a:latin typeface="+mn-lt"/>
+                <a:ea typeface="+mn-ea"/>
+                <a:cs typeface="+mn-cs"/>
+              </a:defRPr>
+            </a:lvl2pPr>
+            <a:lvl3pPr marL="914400" algn="l" defTabSz="914400" rtl="0" eaLnBrk="1" latinLnBrk="0" hangingPunct="1">
+              <a:defRPr sz="1800" kern="1200">
+                <a:solidFill>
+                  <a:schemeClr val="tx1"/>
+                </a:solidFill>
+                <a:latin typeface="+mn-lt"/>
+                <a:ea typeface="+mn-ea"/>
+                <a:cs typeface="+mn-cs"/>
+              </a:defRPr>
+            </a:lvl3pPr>
+            <a:lvl4pPr marL="1371600" algn="l" defTabSz="914400" rtl="0" eaLnBrk="1" latinLnBrk="0" hangingPunct="1">
+              <a:defRPr sz="1800" kern="1200">
+                <a:solidFill>
+                  <a:schemeClr val="tx1"/>
+                </a:solidFill>
+                <a:latin typeface="+mn-lt"/>
+                <a:ea typeface="+mn-ea"/>
+                <a:cs typeface="+mn-cs"/>
+              </a:defRPr>
+            </a:lvl4pPr>
+            <a:lvl5pPr marL="1828800" algn="l" defTabSz="914400" rtl="0" eaLnBrk="1" latinLnBrk="0" hangingPunct="1">
+              <a:defRPr sz="1800" kern="1200">
+                <a:solidFill>
+                  <a:schemeClr val="tx1"/>
+                </a:solidFill>
+                <a:latin typeface="+mn-lt"/>
+                <a:ea typeface="+mn-ea"/>
+                <a:cs typeface="+mn-cs"/>
+              </a:defRPr>
+            </a:lvl5pPr>
+            <a:lvl6pPr marL="2286000" algn="l" defTabSz="914400" rtl="0" eaLnBrk="1" latinLnBrk="0" hangingPunct="1">
+              <a:defRPr sz="1800" kern="1200">
+                <a:solidFill>
+                  <a:schemeClr val="tx1"/>
+                </a:solidFill>
+                <a:latin typeface="+mn-lt"/>
+                <a:ea typeface="+mn-ea"/>
+                <a:cs typeface="+mn-cs"/>
+              </a:defRPr>
+            </a:lvl6pPr>
+            <a:lvl7pPr marL="2743200" algn="l" defTabSz="914400" rtl="0" eaLnBrk="1" latinLnBrk="0" hangingPunct="1">
+              <a:defRPr sz="1800" kern="1200">
+                <a:solidFill>
+                  <a:schemeClr val="tx1"/>
+                </a:solidFill>
+                <a:latin typeface="+mn-lt"/>
+                <a:ea typeface="+mn-ea"/>
+                <a:cs typeface="+mn-cs"/>
+              </a:defRPr>
+            </a:lvl7pPr>
+            <a:lvl8pPr marL="3200400" algn="l" defTabSz="914400" rtl="0" eaLnBrk="1" latinLnBrk="0" hangingPunct="1">
+              <a:defRPr sz="1800" kern="1200">
+                <a:solidFill>
+                  <a:schemeClr val="tx1"/>
+                </a:solidFill>
+                <a:latin typeface="+mn-lt"/>
+                <a:ea typeface="+mn-ea"/>
+                <a:cs typeface="+mn-cs"/>
+              </a:defRPr>
+            </a:lvl8pPr>
+            <a:lvl9pPr marL="3657600" algn="l" defTabSz="914400" rtl="0" eaLnBrk="1" latinLnBrk="0" hangingPunct="1">
+              <a:defRPr sz="1800" kern="1200">
+                <a:solidFill>
+                  <a:schemeClr val="tx1"/>
+                </a:solidFill>
+                <a:latin typeface="+mn-lt"/>
+                <a:ea typeface="+mn-ea"/>
+                <a:cs typeface="+mn-cs"/>
+              </a:defRPr>
+            </a:lvl9pPr>
+          </a:lstStyle>
+          <a:p>
+            <a:pPr algn="ctr"/>
+            <a:r>
+              <a:rPr lang="en-US" sz="1400" spc="-1" dirty="0">
+                <a:solidFill>
+                  <a:srgbClr val="000000"/>
+                </a:solidFill>
+                <a:latin typeface="Arial" panose="020B0604020202020204" pitchFamily="34" charset="0"/>
+                <a:ea typeface="Calibri"/>
+                <a:cs typeface="Arial" panose="020B0604020202020204" pitchFamily="34" charset="0"/>
+              </a:rPr>
+              <a:t>Universidad de Valparaíso</a:t>
+            </a:r>
+          </a:p>
+          <a:p>
+            <a:pPr algn="ctr"/>
+            <a:r>
+              <a:rPr lang="en-US" sz="1400" spc="-1" dirty="0">
+                <a:solidFill>
+                  <a:srgbClr val="000000"/>
+                </a:solidFill>
+                <a:latin typeface="Arial" panose="020B0604020202020204" pitchFamily="34" charset="0"/>
+                <a:ea typeface="Calibri"/>
+                <a:cs typeface="Arial" panose="020B0604020202020204" pitchFamily="34" charset="0"/>
+              </a:rPr>
+              <a:t>Pontificia Universidad Católica de Chile</a:t>
+            </a:r>
+          </a:p>
+          <a:p>
+            <a:pPr algn="ctr">
+              <a:lnSpc>
+                <a:spcPct val="100000"/>
+              </a:lnSpc>
+              <a:buNone/>
+            </a:pPr>
+            <a:r>
+              <a:rPr lang="en-US" sz="1400" b="0" strike="noStrike" spc="-1" dirty="0">
+                <a:solidFill>
+                  <a:srgbClr val="000000"/>
+                </a:solidFill>
+                <a:latin typeface="Arial" panose="020B0604020202020204" pitchFamily="34" charset="0"/>
+                <a:ea typeface="Calibri"/>
+                <a:cs typeface="Arial" panose="020B0604020202020204" pitchFamily="34" charset="0"/>
+              </a:rPr>
+              <a:t>Millennium Institute for Intelligent Healthcare Engineering, </a:t>
+            </a:r>
+            <a:r>
+              <a:rPr lang="en-US" sz="1400" b="0" strike="noStrike" spc="-1" dirty="0" err="1">
+                <a:solidFill>
+                  <a:srgbClr val="000000"/>
+                </a:solidFill>
+                <a:latin typeface="Arial" panose="020B0604020202020204" pitchFamily="34" charset="0"/>
+                <a:ea typeface="Calibri"/>
+                <a:cs typeface="Arial" panose="020B0604020202020204" pitchFamily="34" charset="0"/>
+              </a:rPr>
+              <a:t>iHEALTH</a:t>
+            </a:r>
+            <a:endParaRPr lang="en-US" sz="1400" b="0" strike="noStrike" dirty="0">
+              <a:latin typeface="Arial" panose="020B0604020202020204" pitchFamily="34" charset="0"/>
+              <a:cs typeface="Arial" panose="020B0604020202020204" pitchFamily="34" charset="0"/>
+            </a:endParaRPr>
+          </a:p>
+        </p:txBody>
+      </p:sp>
       <p:pic>
         <p:nvPicPr>
-          <p:cNvPr id="1026" name="Picture 2">
-            <a:extLst>
-              <a:ext uri="{FF2B5EF4-FFF2-40B4-BE49-F238E27FC236}">
-                <a16:creationId xmlns:a16="http://schemas.microsoft.com/office/drawing/2014/main" id="{8BC0E25D-9DF4-8587-2C51-04C548D06FE3}"/>
+          <p:cNvPr id="1025" name="Imagen 1024" descr="Imagen que contiene Texto&#10;&#10;Descripción generada automáticamente">
+            <a:extLst>
+              <a:ext uri="{FF2B5EF4-FFF2-40B4-BE49-F238E27FC236}">
+                <a16:creationId xmlns:a16="http://schemas.microsoft.com/office/drawing/2014/main" id="{7484A490-04A7-C0A2-8030-C68464B1B8D6}"/>
+              </a:ext>
+            </a:extLst>
+          </p:cNvPr>
+          <p:cNvPicPr>
+            <a:picLocks noChangeAspect="1"/>
+          </p:cNvPicPr>
+          <p:nvPr/>
+        </p:nvPicPr>
+        <p:blipFill>
+          <a:blip r:embed="rId2"/>
+          <a:stretch>
+            <a:fillRect/>
+          </a:stretch>
+        </p:blipFill>
+        <p:spPr>
+          <a:xfrm>
+            <a:off x="2301948" y="4899056"/>
+            <a:ext cx="1898509" cy="884765"/>
+          </a:xfrm>
+          <a:prstGeom prst="rect">
+            <a:avLst/>
+          </a:prstGeom>
+        </p:spPr>
+      </p:pic>
+      <p:pic>
+        <p:nvPicPr>
+          <p:cNvPr id="1027" name="Google Shape;96;p2">
+            <a:extLst>
+              <a:ext uri="{FF2B5EF4-FFF2-40B4-BE49-F238E27FC236}">
+                <a16:creationId xmlns:a16="http://schemas.microsoft.com/office/drawing/2014/main" id="{E9415247-EB87-3AC4-2DA8-27B82C8A6939}"/>
+              </a:ext>
+            </a:extLst>
+          </p:cNvPr>
+          <p:cNvPicPr/>
+          <p:nvPr/>
+        </p:nvPicPr>
+        <p:blipFill>
+          <a:blip r:embed="rId3"/>
+          <a:stretch/>
+        </p:blipFill>
+        <p:spPr>
+          <a:xfrm>
+            <a:off x="4573045" y="5187593"/>
+            <a:ext cx="3045915" cy="391424"/>
+          </a:xfrm>
+          <a:prstGeom prst="rect">
+            <a:avLst/>
+          </a:prstGeom>
+          <a:ln w="0">
+            <a:noFill/>
+          </a:ln>
+        </p:spPr>
+      </p:pic>
+      <p:pic>
+        <p:nvPicPr>
+          <p:cNvPr id="1028" name="Picture 2" descr="Pontificia Universidad Católica de Chile - Docomomo 2024">
+            <a:extLst>
+              <a:ext uri="{FF2B5EF4-FFF2-40B4-BE49-F238E27FC236}">
+                <a16:creationId xmlns:a16="http://schemas.microsoft.com/office/drawing/2014/main" id="{13033B9C-F041-37D1-9D4B-B0AC62713F1F}"/>
               </a:ext>
             </a:extLst>
           </p:cNvPr>
@@ -4246,7 +4548,7 @@
           <p:nvPr/>
         </p:nvPicPr>
         <p:blipFill>
-          <a:blip r:embed="rId2">
+          <a:blip r:embed="rId4" cstate="print">
             <a:extLst>
               <a:ext uri="{28A0092B-C50C-407E-A947-70E740481C1C}">
                 <a14:useLocalDpi xmlns:a14="http://schemas.microsoft.com/office/drawing/2010/main" val="0"/>
@@ -4260,18 +4562,13 @@
         </p:blipFill>
         <p:spPr bwMode="auto">
           <a:xfrm>
-            <a:off x="1229862" y="3016250"/>
-            <a:ext cx="2809875" cy="2857500"/>
+            <a:off x="7991548" y="4606409"/>
+            <a:ext cx="2147203" cy="1237284"/>
           </a:xfrm>
           <a:prstGeom prst="rect">
             <a:avLst/>
           </a:prstGeom>
           <a:noFill/>
-          <a:ln>
-            <a:solidFill>
-              <a:schemeClr val="tx1"/>
-            </a:solidFill>
-          </a:ln>
           <a:extLst>
             <a:ext uri="{909E8E84-426E-40DD-AFC4-6F175D3DCCD1}">
               <a14:hiddenFill xmlns:a14="http://schemas.microsoft.com/office/drawing/2010/main">
@@ -4283,211 +4580,6 @@
           </a:extLst>
         </p:spPr>
       </p:pic>
-      <p:pic>
-        <p:nvPicPr>
-          <p:cNvPr id="116" name="Imagen 115" descr="Un hombre con una camisa negra&#10;&#10;Descripción generada automáticamente">
-            <a:extLst>
-              <a:ext uri="{FF2B5EF4-FFF2-40B4-BE49-F238E27FC236}">
-                <a16:creationId xmlns:a16="http://schemas.microsoft.com/office/drawing/2014/main" id="{28C31A65-A6F8-0288-9EE9-AA85B3A586B6}"/>
-              </a:ext>
-            </a:extLst>
-          </p:cNvPr>
-          <p:cNvPicPr>
-            <a:picLocks noChangeAspect="1"/>
-          </p:cNvPicPr>
-          <p:nvPr/>
-        </p:nvPicPr>
-        <p:blipFill>
-          <a:blip r:embed="rId3">
-            <a:extLst>
-              <a:ext uri="{28A0092B-C50C-407E-A947-70E740481C1C}">
-                <a14:useLocalDpi xmlns:a14="http://schemas.microsoft.com/office/drawing/2010/main" val="0"/>
-              </a:ext>
-            </a:extLst>
-          </a:blip>
-          <a:stretch>
-            <a:fillRect/>
-          </a:stretch>
-        </p:blipFill>
-        <p:spPr>
-          <a:xfrm>
-            <a:off x="6381525" y="3016250"/>
-            <a:ext cx="2857500" cy="2857500"/>
-          </a:xfrm>
-          <a:prstGeom prst="rect">
-            <a:avLst/>
-          </a:prstGeom>
-          <a:ln>
-            <a:solidFill>
-              <a:schemeClr val="tx1"/>
-            </a:solidFill>
-          </a:ln>
-        </p:spPr>
-      </p:pic>
-      <p:sp>
-        <p:nvSpPr>
-          <p:cNvPr id="118" name="CuadroTexto 117">
-            <a:extLst>
-              <a:ext uri="{FF2B5EF4-FFF2-40B4-BE49-F238E27FC236}">
-                <a16:creationId xmlns:a16="http://schemas.microsoft.com/office/drawing/2014/main" id="{A3D86EAD-1F3A-D824-C556-3DB5782711BF}"/>
-              </a:ext>
-            </a:extLst>
-          </p:cNvPr>
-          <p:cNvSpPr txBox="1"/>
-          <p:nvPr/>
-        </p:nvSpPr>
-        <p:spPr>
-          <a:xfrm>
-            <a:off x="1229862" y="5942568"/>
-            <a:ext cx="2809875" cy="369332"/>
-          </a:xfrm>
-          <a:prstGeom prst="rect">
-            <a:avLst/>
-          </a:prstGeom>
-          <a:noFill/>
-        </p:spPr>
-        <p:txBody>
-          <a:bodyPr wrap="square">
-            <a:spAutoFit/>
-          </a:bodyPr>
-          <a:lstStyle/>
-          <a:p>
-            <a:pPr marL="0" indent="0" algn="ctr">
-              <a:buNone/>
-            </a:pPr>
-            <a:r>
-              <a:rPr lang="es-CL" sz="1800" b="1" dirty="0">
-                <a:latin typeface="Arial" panose="020B0604020202020204" pitchFamily="34" charset="0"/>
-                <a:cs typeface="Arial" panose="020B0604020202020204" pitchFamily="34" charset="0"/>
-              </a:rPr>
-              <a:t>Tabita Catalán </a:t>
-            </a:r>
-          </a:p>
-        </p:txBody>
-      </p:sp>
-      <p:sp>
-        <p:nvSpPr>
-          <p:cNvPr id="119" name="CuadroTexto 118">
-            <a:extLst>
-              <a:ext uri="{FF2B5EF4-FFF2-40B4-BE49-F238E27FC236}">
-                <a16:creationId xmlns:a16="http://schemas.microsoft.com/office/drawing/2014/main" id="{45885591-B069-9DBD-F584-27CBD81DC2FF}"/>
-              </a:ext>
-            </a:extLst>
-          </p:cNvPr>
-          <p:cNvSpPr txBox="1"/>
-          <p:nvPr/>
-        </p:nvSpPr>
-        <p:spPr>
-          <a:xfrm>
-            <a:off x="6381525" y="5949280"/>
-            <a:ext cx="2857500" cy="369332"/>
-          </a:xfrm>
-          <a:prstGeom prst="rect">
-            <a:avLst/>
-          </a:prstGeom>
-          <a:noFill/>
-        </p:spPr>
-        <p:txBody>
-          <a:bodyPr wrap="square">
-            <a:spAutoFit/>
-          </a:bodyPr>
-          <a:lstStyle/>
-          <a:p>
-            <a:pPr marL="0" indent="0" algn="ctr">
-              <a:buNone/>
-            </a:pPr>
-            <a:r>
-              <a:rPr lang="es-CL" sz="1800" b="1" dirty="0">
-                <a:latin typeface="Arial" panose="020B0604020202020204" pitchFamily="34" charset="0"/>
-                <a:cs typeface="Arial" panose="020B0604020202020204" pitchFamily="34" charset="0"/>
-              </a:rPr>
-              <a:t>Tomás Banduc</a:t>
-            </a:r>
-          </a:p>
-        </p:txBody>
-      </p:sp>
-      <p:sp>
-        <p:nvSpPr>
-          <p:cNvPr id="120" name="CuadroTexto 119">
-            <a:extLst>
-              <a:ext uri="{FF2B5EF4-FFF2-40B4-BE49-F238E27FC236}">
-                <a16:creationId xmlns:a16="http://schemas.microsoft.com/office/drawing/2014/main" id="{898887ED-6E19-DD00-15E3-10E4FBC9CF4D}"/>
-              </a:ext>
-            </a:extLst>
-          </p:cNvPr>
-          <p:cNvSpPr txBox="1"/>
-          <p:nvPr/>
-        </p:nvSpPr>
-        <p:spPr>
-          <a:xfrm>
-            <a:off x="4039737" y="3016250"/>
-            <a:ext cx="1900237" cy="738664"/>
-          </a:xfrm>
-          <a:prstGeom prst="rect">
-            <a:avLst/>
-          </a:prstGeom>
-          <a:noFill/>
-        </p:spPr>
-        <p:txBody>
-          <a:bodyPr wrap="square">
-            <a:spAutoFit/>
-          </a:bodyPr>
-          <a:lstStyle/>
-          <a:p>
-            <a:pPr marL="0" indent="0">
-              <a:buNone/>
-            </a:pPr>
-            <a:r>
-              <a:rPr lang="es-CL" sz="1400" i="1" dirty="0">
-                <a:latin typeface="Arial" panose="020B0604020202020204" pitchFamily="34" charset="0"/>
-                <a:cs typeface="Arial" panose="020B0604020202020204" pitchFamily="34" charset="0"/>
-              </a:rPr>
-              <a:t>Ingeniera de investigación – Universidad de Chile</a:t>
-            </a:r>
-          </a:p>
-        </p:txBody>
-      </p:sp>
-      <p:sp>
-        <p:nvSpPr>
-          <p:cNvPr id="121" name="CuadroTexto 120">
-            <a:extLst>
-              <a:ext uri="{FF2B5EF4-FFF2-40B4-BE49-F238E27FC236}">
-                <a16:creationId xmlns:a16="http://schemas.microsoft.com/office/drawing/2014/main" id="{D0FC8BBD-3507-5E29-515E-48F76209A8B7}"/>
-              </a:ext>
-            </a:extLst>
-          </p:cNvPr>
-          <p:cNvSpPr txBox="1"/>
-          <p:nvPr/>
-        </p:nvSpPr>
-        <p:spPr>
-          <a:xfrm>
-            <a:off x="9370130" y="3014139"/>
-            <a:ext cx="1900237" cy="738664"/>
-          </a:xfrm>
-          <a:prstGeom prst="rect">
-            <a:avLst/>
-          </a:prstGeom>
-          <a:noFill/>
-        </p:spPr>
-        <p:txBody>
-          <a:bodyPr wrap="square">
-            <a:spAutoFit/>
-          </a:bodyPr>
-          <a:lstStyle/>
-          <a:p>
-            <a:pPr marL="0" indent="0">
-              <a:buNone/>
-            </a:pPr>
-            <a:r>
-              <a:rPr lang="es-CL" sz="1400" i="1" dirty="0">
-                <a:latin typeface="Arial" panose="020B0604020202020204" pitchFamily="34" charset="0"/>
-                <a:cs typeface="Arial" panose="020B0604020202020204" pitchFamily="34" charset="0"/>
-              </a:rPr>
-              <a:t>Ingeniero de investigación – Universidad de Chile</a:t>
-            </a:r>
-          </a:p>
-        </p:txBody>
-      </p:sp>
     </p:spTree>
     <p:extLst>
       <p:ext uri="{BB962C8B-B14F-4D97-AF65-F5344CB8AC3E}">
